--- a/WSL-slides.pptx
+++ b/WSL-slides.pptx
@@ -230,7 +230,7 @@
           <a:p>
             <a:fld id="{F623D2CB-712E-4974-BDCA-26CEF4B455E3}" type="datetimeFigureOut">
               <a:rPr lang="en-US" smtClean="0"/>
-              <a:t>6/27/2020</a:t>
+              <a:t>7/1/2020</a:t>
             </a:fld>
             <a:endParaRPr lang="en-US"/>
           </a:p>
@@ -2420,7 +2420,7 @@
           <a:p>
             <a:fld id="{48A87A34-81AB-432B-8DAE-1953F412C126}" type="datetimeFigureOut">
               <a:rPr lang="en-US" smtClean="0"/>
-              <a:t>6/27/2020</a:t>
+              <a:t>7/1/2020</a:t>
             </a:fld>
             <a:endParaRPr lang="en-US" dirty="0"/>
           </a:p>
@@ -2747,7 +2747,7 @@
             <a:fld id="{B61BEF0D-F0BB-DE4B-95CE-6DB70DBA9567}" type="datetimeFigureOut">
               <a:rPr lang="en-US" smtClean="0"/>
               <a:pPr/>
-              <a:t>6/27/2020</a:t>
+              <a:t>7/1/2020</a:t>
             </a:fld>
             <a:endParaRPr lang="en-US" dirty="0"/>
           </a:p>
@@ -3008,7 +3008,7 @@
             <a:fld id="{B61BEF0D-F0BB-DE4B-95CE-6DB70DBA9567}" type="datetimeFigureOut">
               <a:rPr lang="en-US" smtClean="0"/>
               <a:pPr/>
-              <a:t>6/27/2020</a:t>
+              <a:t>7/1/2020</a:t>
             </a:fld>
             <a:endParaRPr lang="en-US" dirty="0"/>
           </a:p>
@@ -3479,7 +3479,7 @@
             <a:fld id="{B61BEF0D-F0BB-DE4B-95CE-6DB70DBA9567}" type="datetimeFigureOut">
               <a:rPr lang="en-US" smtClean="0"/>
               <a:pPr/>
-              <a:t>6/27/2020</a:t>
+              <a:t>7/1/2020</a:t>
             </a:fld>
             <a:endParaRPr lang="en-US" dirty="0"/>
           </a:p>
@@ -3661,7 +3661,7 @@
             <a:fld id="{B61BEF0D-F0BB-DE4B-95CE-6DB70DBA9567}" type="datetimeFigureOut">
               <a:rPr lang="en-US" smtClean="0"/>
               <a:pPr/>
-              <a:t>6/27/2020</a:t>
+              <a:t>7/1/2020</a:t>
             </a:fld>
             <a:endParaRPr lang="en-US" dirty="0"/>
           </a:p>
@@ -4239,7 +4239,7 @@
             <a:fld id="{B61BEF0D-F0BB-DE4B-95CE-6DB70DBA9567}" type="datetimeFigureOut">
               <a:rPr lang="en-US" smtClean="0"/>
               <a:pPr/>
-              <a:t>6/27/2020</a:t>
+              <a:t>7/1/2020</a:t>
             </a:fld>
             <a:endParaRPr lang="en-US" dirty="0"/>
           </a:p>
@@ -4573,7 +4573,7 @@
             <a:fld id="{B61BEF0D-F0BB-DE4B-95CE-6DB70DBA9567}" type="datetimeFigureOut">
               <a:rPr lang="en-US" smtClean="0"/>
               <a:pPr/>
-              <a:t>6/27/2020</a:t>
+              <a:t>7/1/2020</a:t>
             </a:fld>
             <a:endParaRPr lang="en-US" dirty="0"/>
           </a:p>
@@ -4750,7 +4750,7 @@
             <a:fld id="{B61BEF0D-F0BB-DE4B-95CE-6DB70DBA9567}" type="datetimeFigureOut">
               <a:rPr lang="en-US" smtClean="0"/>
               <a:pPr/>
-              <a:t>6/27/2020</a:t>
+              <a:t>7/1/2020</a:t>
             </a:fld>
             <a:endParaRPr lang="en-US" dirty="0"/>
           </a:p>
@@ -4932,7 +4932,7 @@
             <a:fld id="{B61BEF0D-F0BB-DE4B-95CE-6DB70DBA9567}" type="datetimeFigureOut">
               <a:rPr lang="en-US" smtClean="0"/>
               <a:pPr/>
-              <a:t>6/27/2020</a:t>
+              <a:t>7/1/2020</a:t>
             </a:fld>
             <a:endParaRPr lang="en-US" dirty="0"/>
           </a:p>
@@ -5109,7 +5109,7 @@
             <a:fld id="{B61BEF0D-F0BB-DE4B-95CE-6DB70DBA9567}" type="datetimeFigureOut">
               <a:rPr lang="en-US" smtClean="0"/>
               <a:pPr/>
-              <a:t>6/27/2020</a:t>
+              <a:t>7/1/2020</a:t>
             </a:fld>
             <a:endParaRPr lang="en-US" dirty="0"/>
           </a:p>
@@ -5368,7 +5368,7 @@
             <a:fld id="{B61BEF0D-F0BB-DE4B-95CE-6DB70DBA9567}" type="datetimeFigureOut">
               <a:rPr lang="en-US" smtClean="0"/>
               <a:pPr/>
-              <a:t>6/27/2020</a:t>
+              <a:t>7/1/2020</a:t>
             </a:fld>
             <a:endParaRPr lang="en-US" dirty="0"/>
           </a:p>
@@ -5697,7 +5697,7 @@
             <a:fld id="{B61BEF0D-F0BB-DE4B-95CE-6DB70DBA9567}" type="datetimeFigureOut">
               <a:rPr lang="en-US" smtClean="0"/>
               <a:pPr/>
-              <a:t>6/27/2020</a:t>
+              <a:t>7/1/2020</a:t>
             </a:fld>
             <a:endParaRPr lang="en-US" dirty="0"/>
           </a:p>
@@ -6129,7 +6129,7 @@
             <a:fld id="{B61BEF0D-F0BB-DE4B-95CE-6DB70DBA9567}" type="datetimeFigureOut">
               <a:rPr lang="en-US" smtClean="0"/>
               <a:pPr/>
-              <a:t>6/27/2020</a:t>
+              <a:t>7/1/2020</a:t>
             </a:fld>
             <a:endParaRPr lang="en-US" dirty="0"/>
           </a:p>
@@ -6249,7 +6249,7 @@
             <a:fld id="{B61BEF0D-F0BB-DE4B-95CE-6DB70DBA9567}" type="datetimeFigureOut">
               <a:rPr lang="en-US" smtClean="0"/>
               <a:pPr/>
-              <a:t>6/27/2020</a:t>
+              <a:t>7/1/2020</a:t>
             </a:fld>
             <a:endParaRPr lang="en-US" dirty="0"/>
           </a:p>
@@ -6346,7 +6346,7 @@
             <a:fld id="{B61BEF0D-F0BB-DE4B-95CE-6DB70DBA9567}" type="datetimeFigureOut">
               <a:rPr lang="en-US" smtClean="0"/>
               <a:pPr/>
-              <a:t>6/27/2020</a:t>
+              <a:t>7/1/2020</a:t>
             </a:fld>
             <a:endParaRPr lang="en-US" dirty="0"/>
           </a:p>
@@ -6631,7 +6631,7 @@
             <a:fld id="{B61BEF0D-F0BB-DE4B-95CE-6DB70DBA9567}" type="datetimeFigureOut">
               <a:rPr lang="en-US" smtClean="0"/>
               <a:pPr/>
-              <a:t>6/27/2020</a:t>
+              <a:t>7/1/2020</a:t>
             </a:fld>
             <a:endParaRPr lang="en-US" dirty="0"/>
           </a:p>
@@ -6924,7 +6924,7 @@
             <a:fld id="{B61BEF0D-F0BB-DE4B-95CE-6DB70DBA9567}" type="datetimeFigureOut">
               <a:rPr lang="en-US" smtClean="0"/>
               <a:pPr/>
-              <a:t>6/27/2020</a:t>
+              <a:t>7/1/2020</a:t>
             </a:fld>
             <a:endParaRPr lang="en-US" dirty="0"/>
           </a:p>
@@ -7157,7 +7157,7 @@
             <a:fld id="{B61BEF0D-F0BB-DE4B-95CE-6DB70DBA9567}" type="datetimeFigureOut">
               <a:rPr lang="en-US" smtClean="0"/>
               <a:pPr/>
-              <a:t>6/27/2020</a:t>
+              <a:t>7/1/2020</a:t>
             </a:fld>
             <a:endParaRPr lang="en-US" dirty="0"/>
           </a:p>
